--- a/Funcionalidades da Aplicação - V.Final.pptx
+++ b/Funcionalidades da Aplicação - V.Final.pptx
@@ -20992,17 +20992,18 @@
           <p:cNvPicPr preferRelativeResize="0"/>
           <p:nvPr/>
         </p:nvPicPr>
-        <p:blipFill rotWithShape="1">
+        <p:blipFill>
           <a:blip r:embed="rId3">
             <a:alphaModFix/>
           </a:blip>
-          <a:srcRect b="0" l="0" r="0" t="0"/>
-          <a:stretch/>
+          <a:stretch>
+            <a:fillRect/>
+          </a:stretch>
         </p:blipFill>
         <p:spPr>
           <a:xfrm>
             <a:off x="508000" y="1115025"/>
-            <a:ext cx="1982700" cy="3631800"/>
+            <a:ext cx="2047140" cy="3631800"/>
           </a:xfrm>
           <a:prstGeom prst="rect">
             <a:avLst/>

--- a/Funcionalidades da Aplicação - V.Final.pptx
+++ b/Funcionalidades da Aplicação - V.Final.pptx
@@ -24256,9 +24256,9 @@
 </file>
 
 <file path=ppt/theme/theme1.xml><?xml version="1.0" encoding="utf-8"?>
-<a:theme xmlns:a="http://schemas.openxmlformats.org/drawingml/2006/main" xmlns:r="http://schemas.openxmlformats.org/officeDocument/2006/relationships" name="Facetado">
+<a:theme xmlns:a="http://schemas.openxmlformats.org/drawingml/2006/main" xmlns:r="http://schemas.openxmlformats.org/officeDocument/2006/relationships">
   <a:themeElements>
-    <a:clrScheme name="Facet">
+    <a:clrScheme name="Default">
       <a:dk1>
         <a:srgbClr val="000000"/>
       </a:dk1>
@@ -24266,34 +24266,34 @@
         <a:srgbClr val="FFFFFF"/>
       </a:lt1>
       <a:dk2>
-        <a:srgbClr val="2C3C43"/>
+        <a:srgbClr val="158158"/>
       </a:dk2>
       <a:lt2>
-        <a:srgbClr val="EBEBEB"/>
+        <a:srgbClr val="F3F3F3"/>
       </a:lt2>
       <a:accent1>
-        <a:srgbClr val="90C226"/>
+        <a:srgbClr val="058DC7"/>
       </a:accent1>
       <a:accent2>
-        <a:srgbClr val="54A021"/>
+        <a:srgbClr val="50B432"/>
       </a:accent2>
       <a:accent3>
-        <a:srgbClr val="E6B91E"/>
+        <a:srgbClr val="ED561B"/>
       </a:accent3>
       <a:accent4>
-        <a:srgbClr val="E76618"/>
+        <a:srgbClr val="EDEF00"/>
       </a:accent4>
       <a:accent5>
-        <a:srgbClr val="C42F1A"/>
+        <a:srgbClr val="24CBE5"/>
       </a:accent5>
       <a:accent6>
-        <a:srgbClr val="918655"/>
+        <a:srgbClr val="64E572"/>
       </a:accent6>
       <a:hlink>
-        <a:srgbClr val="99CA3C"/>
+        <a:srgbClr val="2200CC"/>
       </a:hlink>
       <a:folHlink>
-        <a:srgbClr val="B9D181"/>
+        <a:srgbClr val="551A8B"/>
       </a:folHlink>
     </a:clrScheme>
     <a:fontScheme name="Office">
@@ -24814,9 +24814,9 @@
 </file>
 
 <file path=ppt/theme/theme3.xml><?xml version="1.0" encoding="utf-8"?>
-<a:theme xmlns:a="http://schemas.openxmlformats.org/drawingml/2006/main" xmlns:r="http://schemas.openxmlformats.org/officeDocument/2006/relationships">
+<a:theme xmlns:a="http://schemas.openxmlformats.org/drawingml/2006/main" xmlns:r="http://schemas.openxmlformats.org/officeDocument/2006/relationships" name="Facetado">
   <a:themeElements>
-    <a:clrScheme name="Default">
+    <a:clrScheme name="Facet">
       <a:dk1>
         <a:srgbClr val="000000"/>
       </a:dk1>
@@ -24824,34 +24824,34 @@
         <a:srgbClr val="FFFFFF"/>
       </a:lt1>
       <a:dk2>
-        <a:srgbClr val="158158"/>
+        <a:srgbClr val="2C3C43"/>
       </a:dk2>
       <a:lt2>
-        <a:srgbClr val="F3F3F3"/>
+        <a:srgbClr val="EBEBEB"/>
       </a:lt2>
       <a:accent1>
-        <a:srgbClr val="058DC7"/>
+        <a:srgbClr val="90C226"/>
       </a:accent1>
       <a:accent2>
-        <a:srgbClr val="50B432"/>
+        <a:srgbClr val="54A021"/>
       </a:accent2>
       <a:accent3>
-        <a:srgbClr val="ED561B"/>
+        <a:srgbClr val="E6B91E"/>
       </a:accent3>
       <a:accent4>
-        <a:srgbClr val="EDEF00"/>
+        <a:srgbClr val="E76618"/>
       </a:accent4>
       <a:accent5>
-        <a:srgbClr val="24CBE5"/>
+        <a:srgbClr val="C42F1A"/>
       </a:accent5>
       <a:accent6>
-        <a:srgbClr val="64E572"/>
+        <a:srgbClr val="918655"/>
       </a:accent6>
       <a:hlink>
-        <a:srgbClr val="2200CC"/>
+        <a:srgbClr val="99CA3C"/>
       </a:hlink>
       <a:folHlink>
-        <a:srgbClr val="551A8B"/>
+        <a:srgbClr val="B9D181"/>
       </a:folHlink>
     </a:clrScheme>
     <a:fontScheme name="Office">
